--- a/Presentation_model.pptx
+++ b/Presentation_model.pptx
@@ -7,7 +7,7 @@
     <p:sldMasterId id="2147483673" r:id="rId3"/>
   </p:sldMasterIdLst>
   <p:notesMasterIdLst>
-    <p:notesMasterId r:id="rId13"/>
+    <p:notesMasterId r:id="rId12"/>
   </p:notesMasterIdLst>
   <p:sldIdLst>
     <p:sldId id="355" r:id="rId4"/>
@@ -17,8 +17,7 @@
     <p:sldId id="259" r:id="rId8"/>
     <p:sldId id="356" r:id="rId9"/>
     <p:sldId id="320" r:id="rId10"/>
-    <p:sldId id="317" r:id="rId11"/>
-    <p:sldId id="346" r:id="rId12"/>
+    <p:sldId id="346" r:id="rId11"/>
   </p:sldIdLst>
   <p:sldSz cx="12192000" cy="6858000"/>
   <p:notesSz cx="6858000" cy="9144000"/>
@@ -8220,9 +8219,9 @@
         <p:grpSpPr>
           <a:xfrm>
             <a:off x="6286883" y="4038648"/>
-            <a:ext cx="4931788" cy="1124044"/>
+            <a:ext cx="4931788" cy="1210606"/>
             <a:chOff x="5680459" y="1490186"/>
-            <a:chExt cx="4931788" cy="1124044"/>
+            <a:chExt cx="4931788" cy="1210606"/>
           </a:xfrm>
         </p:grpSpPr>
         <p:sp>
@@ -8287,7 +8286,7 @@
           <p:spPr>
             <a:xfrm>
               <a:off x="5967846" y="2002075"/>
-              <a:ext cx="4644400" cy="612155"/>
+              <a:ext cx="4644400" cy="698717"/>
             </a:xfrm>
             <a:prstGeom prst="rect">
               <a:avLst/>
@@ -8308,20 +8307,14 @@
                 <a:buChar char="Ø"/>
               </a:pPr>
               <a:r>
-                <a:rPr lang="en-US" altLang="ko-KR" sz="1200" dirty="0">
+                <a:rPr lang="en-US" altLang="ko-KR" sz="1400" dirty="0">
                   <a:solidFill>
                     <a:schemeClr val="bg1"/>
                   </a:solidFill>
                   <a:cs typeface="Arial" pitchFamily="34" charset="0"/>
                 </a:rPr>
-                <a:t>Insert the Subtitle of Your Presentation</a:t>
+                <a:t>Distribution analysis status loans </a:t>
               </a:r>
-              <a:endParaRPr lang="ko-KR" altLang="en-US" sz="1200" dirty="0">
-                <a:solidFill>
-                  <a:schemeClr val="bg1"/>
-                </a:solidFill>
-                <a:cs typeface="Arial" pitchFamily="34" charset="0"/>
-              </a:endParaRPr>
             </a:p>
             <a:p>
               <a:pPr marL="171450" indent="-171450">
@@ -8332,13 +8325,13 @@
                 <a:buChar char="Ø"/>
               </a:pPr>
               <a:r>
-                <a:rPr lang="en-US" altLang="ko-KR" sz="1200" dirty="0">
+                <a:rPr lang="en-US" altLang="ko-KR" sz="1400" dirty="0">
                   <a:solidFill>
                     <a:schemeClr val="bg1"/>
                   </a:solidFill>
                   <a:cs typeface="Arial" pitchFamily="34" charset="0"/>
                 </a:rPr>
-                <a:t>You can simply impress your audience and add a unique zing </a:t>
+                <a:t>Distribution analysis status loans by company name </a:t>
               </a:r>
             </a:p>
           </p:txBody>
@@ -12460,7 +12453,10 @@
             <a:r>
               <a:rPr lang="en-US" altLang="ko-KR" sz="1600" b="1" dirty="0">
                 <a:solidFill>
-                  <a:schemeClr val="bg1"/>
+                  <a:schemeClr val="tx1">
+                    <a:lumMod val="95000"/>
+                    <a:lumOff val="5000"/>
+                  </a:schemeClr>
                 </a:solidFill>
                 <a:cs typeface="Arial" pitchFamily="34" charset="0"/>
               </a:rPr>
@@ -12483,7 +12479,10 @@
             <a:r>
               <a:rPr lang="en-US" altLang="ko-KR" sz="1400" b="1" dirty="0">
                 <a:solidFill>
-                  <a:schemeClr val="bg1"/>
+                  <a:schemeClr val="tx1">
+                    <a:lumMod val="95000"/>
+                    <a:lumOff val="5000"/>
+                  </a:schemeClr>
                 </a:solidFill>
                 <a:cs typeface="Arial" pitchFamily="34" charset="0"/>
               </a:rPr>
@@ -12497,7 +12496,10 @@
             </a:pPr>
             <a:endParaRPr lang="en-US" altLang="ko-KR" sz="1400" dirty="0">
               <a:solidFill>
-                <a:schemeClr val="bg1"/>
+                <a:schemeClr val="tx1">
+                  <a:lumMod val="95000"/>
+                  <a:lumOff val="5000"/>
+                </a:schemeClr>
               </a:solidFill>
               <a:cs typeface="Arial" pitchFamily="34" charset="0"/>
             </a:endParaRPr>
@@ -12510,7 +12512,10 @@
             <a:r>
               <a:rPr lang="en-US" altLang="ko-KR" sz="1400" b="1" dirty="0">
                 <a:solidFill>
-                  <a:schemeClr val="bg1"/>
+                  <a:schemeClr val="tx1">
+                    <a:lumMod val="95000"/>
+                    <a:lumOff val="5000"/>
+                  </a:schemeClr>
                 </a:solidFill>
                 <a:cs typeface="Arial" pitchFamily="34" charset="0"/>
               </a:rPr>
@@ -12524,7 +12529,10 @@
             </a:pPr>
             <a:endParaRPr lang="en-US" altLang="ko-KR" sz="1400" b="1" dirty="0">
               <a:solidFill>
-                <a:schemeClr val="bg1"/>
+                <a:schemeClr val="tx1">
+                  <a:lumMod val="95000"/>
+                  <a:lumOff val="5000"/>
+                </a:schemeClr>
               </a:solidFill>
               <a:cs typeface="Arial" pitchFamily="34" charset="0"/>
             </a:endParaRPr>
@@ -12537,7 +12545,10 @@
             <a:r>
               <a:rPr lang="en-US" altLang="ko-KR" sz="1400" b="1" dirty="0">
                 <a:solidFill>
-                  <a:schemeClr val="bg1"/>
+                  <a:schemeClr val="tx1">
+                    <a:lumMod val="95000"/>
+                    <a:lumOff val="5000"/>
+                  </a:schemeClr>
                 </a:solidFill>
                 <a:cs typeface="Arial" pitchFamily="34" charset="0"/>
               </a:rPr>
@@ -12545,7 +12556,10 @@
             </a:r>
             <a:endParaRPr lang="ko-KR" altLang="en-US" sz="1400" dirty="0">
               <a:solidFill>
-                <a:schemeClr val="bg1"/>
+                <a:schemeClr val="tx1">
+                  <a:lumMod val="95000"/>
+                  <a:lumOff val="5000"/>
+                </a:schemeClr>
               </a:solidFill>
             </a:endParaRPr>
           </a:p>
@@ -15280,77 +15294,6 @@
       </p:grpSpPr>
       <p:sp>
         <p:nvSpPr>
-          <p:cNvPr id="8" name="TextBox 7">
-            <a:extLst>
-              <a:ext uri="{FF2B5EF4-FFF2-40B4-BE49-F238E27FC236}">
-                <a16:creationId xmlns:a16="http://schemas.microsoft.com/office/drawing/2014/main" id="{EA7CC311-1AFC-4D39-A1F7-582BB258229B}"/>
-              </a:ext>
-            </a:extLst>
-          </p:cNvPr>
-          <p:cNvSpPr txBox="1"/>
-          <p:nvPr/>
-        </p:nvSpPr>
-        <p:spPr>
-          <a:xfrm>
-            <a:off x="3876649" y="4668689"/>
-            <a:ext cx="3566808" cy="769441"/>
-          </a:xfrm>
-          <a:prstGeom prst="rect">
-            <a:avLst/>
-          </a:prstGeom>
-          <a:noFill/>
-        </p:spPr>
-        <p:txBody>
-          <a:bodyPr wrap="square" rtlCol="0" anchor="ctr">
-            <a:spAutoFit/>
-          </a:bodyPr>
-          <a:lstStyle/>
-          <a:p>
-            <a:pPr algn="dist"/>
-            <a:r>
-              <a:rPr lang="en-US" altLang="ko-KR" sz="4400" b="1" i="1" dirty="0">
-                <a:solidFill>
-                  <a:schemeClr val="accent2"/>
-                </a:solidFill>
-                <a:cs typeface="Arial" pitchFamily="34" charset="0"/>
-              </a:rPr>
-              <a:t>AWESOME</a:t>
-            </a:r>
-          </a:p>
-        </p:txBody>
-      </p:sp>
-    </p:spTree>
-    <p:extLst>
-      <p:ext uri="{BB962C8B-B14F-4D97-AF65-F5344CB8AC3E}">
-        <p14:creationId xmlns:p14="http://schemas.microsoft.com/office/powerpoint/2010/main" val="1404339508"/>
-      </p:ext>
-    </p:extLst>
-  </p:cSld>
-  <p:clrMapOvr>
-    <a:masterClrMapping/>
-  </p:clrMapOvr>
-</p:sld>
-</file>
-
-<file path=ppt/slides/slide9.xml><?xml version="1.0" encoding="utf-8"?>
-<p:sld xmlns:a="http://schemas.openxmlformats.org/drawingml/2006/main" xmlns:r="http://schemas.openxmlformats.org/officeDocument/2006/relationships" xmlns:p="http://schemas.openxmlformats.org/presentationml/2006/main">
-  <p:cSld>
-    <p:spTree>
-      <p:nvGrpSpPr>
-        <p:cNvPr id="1" name=""/>
-        <p:cNvGrpSpPr/>
-        <p:nvPr/>
-      </p:nvGrpSpPr>
-      <p:grpSpPr>
-        <a:xfrm>
-          <a:off x="0" y="0"/>
-          <a:ext cx="0" cy="0"/>
-          <a:chOff x="0" y="0"/>
-          <a:chExt cx="0" cy="0"/>
-        </a:xfrm>
-      </p:grpSpPr>
-      <p:sp>
-        <p:nvSpPr>
           <p:cNvPr id="9" name="TextBox 8">
             <a:extLst>
               <a:ext uri="{FF2B5EF4-FFF2-40B4-BE49-F238E27FC236}">
@@ -15391,6 +15334,57 @@
                 <a:schemeClr val="bg1"/>
               </a:solidFill>
               <a:cs typeface="Arial" pitchFamily="34" charset="0"/>
+            </a:endParaRPr>
+          </a:p>
+        </p:txBody>
+      </p:sp>
+      <p:sp>
+        <p:nvSpPr>
+          <p:cNvPr id="2" name="תיבת טקסט 1">
+            <a:extLst>
+              <a:ext uri="{FF2B5EF4-FFF2-40B4-BE49-F238E27FC236}">
+                <a16:creationId xmlns:a16="http://schemas.microsoft.com/office/drawing/2014/main" id="{E19BA50F-CA02-C721-82EB-8425C2DF5AB9}"/>
+              </a:ext>
+            </a:extLst>
+          </p:cNvPr>
+          <p:cNvSpPr txBox="1"/>
+          <p:nvPr/>
+        </p:nvSpPr>
+        <p:spPr>
+          <a:xfrm>
+            <a:off x="11142617" y="6361611"/>
+            <a:ext cx="800219" cy="369332"/>
+          </a:xfrm>
+          <a:prstGeom prst="rect">
+            <a:avLst/>
+          </a:prstGeom>
+          <a:noFill/>
+        </p:spPr>
+        <p:txBody>
+          <a:bodyPr wrap="none" rtlCol="1">
+            <a:spAutoFit/>
+          </a:bodyPr>
+          <a:lstStyle/>
+          <a:p>
+            <a:r>
+              <a:rPr lang="en-US" dirty="0">
+                <a:solidFill>
+                  <a:schemeClr val="tx2"/>
+                </a:solidFill>
+                <a:hlinkClick r:id="rId2">
+                  <a:extLst>
+                    <a:ext uri="{A12FA001-AC4F-418D-AE19-62706E023703}">
+                      <ahyp:hlinkClr xmlns:ahyp="http://schemas.microsoft.com/office/drawing/2018/hyperlinkcolor" val="tx"/>
+                    </a:ext>
+                  </a:extLst>
+                </a:hlinkClick>
+              </a:rPr>
+              <a:t>Demo</a:t>
+            </a:r>
+            <a:endParaRPr lang="he-IL" dirty="0">
+              <a:solidFill>
+                <a:schemeClr val="tx2"/>
+              </a:solidFill>
             </a:endParaRPr>
           </a:p>
         </p:txBody>
